--- a/DataScienceToolkit.pptx
+++ b/DataScienceToolkit.pptx
@@ -7793,7 +7793,11 @@
           <a:p>
             <a:r>
               <a:rPr lang="en-US" dirty="0" smtClean="0"/>
-              <a:t>Tools for the tasks</a:t>
+              <a:t>Popular tools </a:t>
+            </a:r>
+            <a:r>
+              <a:rPr lang="en-US" dirty="0" smtClean="0"/>
+              <a:t>for the tasks</a:t>
             </a:r>
             <a:endParaRPr lang="en-US" dirty="0"/>
           </a:p>
